--- a/NodeJS-Material/nodejs.pptx
+++ b/NodeJS-Material/nodejs.pptx
@@ -121,7 +121,7 @@
   </p:defaultTextStyle>
   <p:extLst>
     <p:ext uri="{EFAFB233-063F-42B5-8137-9DF3F51BA10A}">
-      <p15:sldGuideLst xmlns:p15="http://schemas.microsoft.com/office/powerpoint/2012/main"/>
+      <p15:sldGuideLst xmlns:p15="http://schemas.microsoft.com/office/powerpoint/2012/main" xmlns=""/>
     </p:ext>
   </p:extLst>
 </p:presentation>
@@ -849,7 +849,7 @@
           <a:p>
             <a:fld id="{48A87A34-81AB-432B-8DAE-1953F412C126}" type="datetimeFigureOut">
               <a:rPr lang="en-US" smtClean="0"/>
-              <a:t>6/13/2022</a:t>
+              <a:t>6/14/2022</a:t>
             </a:fld>
             <a:endParaRPr lang="en-US" dirty="0"/>
           </a:p>
@@ -1101,7 +1101,7 @@
             <a:fld id="{48A87A34-81AB-432B-8DAE-1953F412C126}" type="datetimeFigureOut">
               <a:rPr lang="en-US" smtClean="0"/>
               <a:pPr/>
-              <a:t>6/13/2022</a:t>
+              <a:t>6/14/2022</a:t>
             </a:fld>
             <a:endParaRPr lang="en-US" dirty="0"/>
           </a:p>
@@ -1417,7 +1417,7 @@
             <a:fld id="{48A87A34-81AB-432B-8DAE-1953F412C126}" type="datetimeFigureOut">
               <a:rPr lang="en-US" smtClean="0"/>
               <a:pPr/>
-              <a:t>6/13/2022</a:t>
+              <a:t>6/14/2022</a:t>
             </a:fld>
             <a:endParaRPr lang="en-US" dirty="0"/>
           </a:p>
@@ -1760,7 +1760,7 @@
             <a:fld id="{48A87A34-81AB-432B-8DAE-1953F412C126}" type="datetimeFigureOut">
               <a:rPr lang="en-US" smtClean="0"/>
               <a:pPr/>
-              <a:t>6/13/2022</a:t>
+              <a:t>6/14/2022</a:t>
             </a:fld>
             <a:endParaRPr lang="en-US" dirty="0"/>
           </a:p>
@@ -2076,7 +2076,7 @@
             <a:fld id="{48A87A34-81AB-432B-8DAE-1953F412C126}" type="datetimeFigureOut">
               <a:rPr lang="en-US" smtClean="0"/>
               <a:pPr/>
-              <a:t>6/13/2022</a:t>
+              <a:t>6/14/2022</a:t>
             </a:fld>
             <a:endParaRPr lang="en-US" dirty="0"/>
           </a:p>
@@ -2471,7 +2471,7 @@
             <a:fld id="{48A87A34-81AB-432B-8DAE-1953F412C126}" type="datetimeFigureOut">
               <a:rPr lang="en-US" smtClean="0"/>
               <a:pPr/>
-              <a:t>6/13/2022</a:t>
+              <a:t>6/14/2022</a:t>
             </a:fld>
             <a:endParaRPr lang="en-US" dirty="0"/>
           </a:p>
@@ -2642,7 +2642,7 @@
           <a:p>
             <a:fld id="{48A87A34-81AB-432B-8DAE-1953F412C126}" type="datetimeFigureOut">
               <a:rPr lang="en-US" smtClean="0"/>
-              <a:t>6/13/2022</a:t>
+              <a:t>6/14/2022</a:t>
             </a:fld>
             <a:endParaRPr lang="en-US" dirty="0"/>
           </a:p>
@@ -2822,7 +2822,7 @@
           <a:p>
             <a:fld id="{48A87A34-81AB-432B-8DAE-1953F412C126}" type="datetimeFigureOut">
               <a:rPr lang="en-US" smtClean="0"/>
-              <a:t>6/13/2022</a:t>
+              <a:t>6/14/2022</a:t>
             </a:fld>
             <a:endParaRPr lang="en-US" dirty="0"/>
           </a:p>
@@ -2998,7 +2998,7 @@
           <a:p>
             <a:fld id="{48A87A34-81AB-432B-8DAE-1953F412C126}" type="datetimeFigureOut">
               <a:rPr lang="en-US" smtClean="0"/>
-              <a:t>6/13/2022</a:t>
+              <a:t>6/14/2022</a:t>
             </a:fld>
             <a:endParaRPr lang="en-US" dirty="0"/>
           </a:p>
@@ -3245,7 +3245,7 @@
           <a:p>
             <a:fld id="{48A87A34-81AB-432B-8DAE-1953F412C126}" type="datetimeFigureOut">
               <a:rPr lang="en-US" smtClean="0"/>
-              <a:t>6/13/2022</a:t>
+              <a:t>6/14/2022</a:t>
             </a:fld>
             <a:endParaRPr lang="en-US" dirty="0"/>
           </a:p>
@@ -3477,7 +3477,7 @@
           <a:p>
             <a:fld id="{48A87A34-81AB-432B-8DAE-1953F412C126}" type="datetimeFigureOut">
               <a:rPr lang="en-US" smtClean="0"/>
-              <a:t>6/13/2022</a:t>
+              <a:t>6/14/2022</a:t>
             </a:fld>
             <a:endParaRPr lang="en-US" dirty="0"/>
           </a:p>
@@ -3851,7 +3851,7 @@
           <a:p>
             <a:fld id="{48A87A34-81AB-432B-8DAE-1953F412C126}" type="datetimeFigureOut">
               <a:rPr lang="en-US" smtClean="0"/>
-              <a:t>6/13/2022</a:t>
+              <a:t>6/14/2022</a:t>
             </a:fld>
             <a:endParaRPr lang="en-US" dirty="0"/>
           </a:p>
@@ -3974,7 +3974,7 @@
           <a:p>
             <a:fld id="{48A87A34-81AB-432B-8DAE-1953F412C126}" type="datetimeFigureOut">
               <a:rPr lang="en-US" smtClean="0"/>
-              <a:t>6/13/2022</a:t>
+              <a:t>6/14/2022</a:t>
             </a:fld>
             <a:endParaRPr lang="en-US" dirty="0"/>
           </a:p>
@@ -4069,7 +4069,7 @@
           <a:p>
             <a:fld id="{48A87A34-81AB-432B-8DAE-1953F412C126}" type="datetimeFigureOut">
               <a:rPr lang="en-US" smtClean="0"/>
-              <a:t>6/13/2022</a:t>
+              <a:t>6/14/2022</a:t>
             </a:fld>
             <a:endParaRPr lang="en-US" dirty="0"/>
           </a:p>
@@ -4324,7 +4324,7 @@
           <a:p>
             <a:fld id="{48A87A34-81AB-432B-8DAE-1953F412C126}" type="datetimeFigureOut">
               <a:rPr lang="en-US" smtClean="0"/>
-              <a:t>6/13/2022</a:t>
+              <a:t>6/14/2022</a:t>
             </a:fld>
             <a:endParaRPr lang="en-US" dirty="0"/>
           </a:p>
@@ -4587,7 +4587,7 @@
           <a:p>
             <a:fld id="{48A87A34-81AB-432B-8DAE-1953F412C126}" type="datetimeFigureOut">
               <a:rPr lang="en-US" smtClean="0"/>
-              <a:t>6/13/2022</a:t>
+              <a:t>6/14/2022</a:t>
             </a:fld>
             <a:endParaRPr lang="en-US" dirty="0"/>
           </a:p>
@@ -5331,7 +5331,7 @@
             <a:fld id="{48A87A34-81AB-432B-8DAE-1953F412C126}" type="datetimeFigureOut">
               <a:rPr lang="en-US" smtClean="0"/>
               <a:pPr/>
-              <a:t>6/13/2022</a:t>
+              <a:t>6/14/2022</a:t>
             </a:fld>
             <a:endParaRPr lang="en-US" dirty="0"/>
           </a:p>
@@ -5861,7 +5861,7 @@
           <p:cNvPr id="2" name="Title 1">
             <a:extLst>
               <a:ext uri="{FF2B5EF4-FFF2-40B4-BE49-F238E27FC236}">
-                <a16:creationId xmlns:a16="http://schemas.microsoft.com/office/drawing/2014/main" id="{03119941-C3E9-E924-FDBE-5D481837A7CB}"/>
+                <a16:creationId xmlns:a16="http://schemas.microsoft.com/office/drawing/2014/main" xmlns="" id="{03119941-C3E9-E924-FDBE-5D481837A7CB}"/>
               </a:ext>
             </a:extLst>
           </p:cNvPr>
@@ -5889,7 +5889,7 @@
           <p:cNvPr id="3" name="Subtitle 2">
             <a:extLst>
               <a:ext uri="{FF2B5EF4-FFF2-40B4-BE49-F238E27FC236}">
-                <a16:creationId xmlns:a16="http://schemas.microsoft.com/office/drawing/2014/main" id="{8933CD49-D8E1-526F-B444-85DFC4605296}"/>
+                <a16:creationId xmlns:a16="http://schemas.microsoft.com/office/drawing/2014/main" xmlns="" id="{8933CD49-D8E1-526F-B444-85DFC4605296}"/>
               </a:ext>
             </a:extLst>
           </p:cNvPr>
@@ -5929,7 +5929,7 @@
           <p:cNvPr id="4" name="Subtitle 2">
             <a:extLst>
               <a:ext uri="{FF2B5EF4-FFF2-40B4-BE49-F238E27FC236}">
-                <a16:creationId xmlns:a16="http://schemas.microsoft.com/office/drawing/2014/main" id="{801C4A2B-A268-A927-451B-B5257DD9F746}"/>
+                <a16:creationId xmlns:a16="http://schemas.microsoft.com/office/drawing/2014/main" xmlns="" id="{801C4A2B-A268-A927-451B-B5257DD9F746}"/>
               </a:ext>
             </a:extLst>
           </p:cNvPr>
@@ -6224,7 +6224,7 @@
           <p:cNvPr id="2" name="Title 1">
             <a:extLst>
               <a:ext uri="{FF2B5EF4-FFF2-40B4-BE49-F238E27FC236}">
-                <a16:creationId xmlns:a16="http://schemas.microsoft.com/office/drawing/2014/main" id="{2C2E3708-23B0-2CFC-FE32-D841302B916A}"/>
+                <a16:creationId xmlns:a16="http://schemas.microsoft.com/office/drawing/2014/main" xmlns="" id="{2C2E3708-23B0-2CFC-FE32-D841302B916A}"/>
               </a:ext>
             </a:extLst>
           </p:cNvPr>
@@ -6252,7 +6252,7 @@
           <p:cNvPr id="3" name="Content Placeholder 2">
             <a:extLst>
               <a:ext uri="{FF2B5EF4-FFF2-40B4-BE49-F238E27FC236}">
-                <a16:creationId xmlns:a16="http://schemas.microsoft.com/office/drawing/2014/main" id="{DBD584B2-D749-40B9-0980-BBC828896376}"/>
+                <a16:creationId xmlns:a16="http://schemas.microsoft.com/office/drawing/2014/main" xmlns="" id="{DBD584B2-D749-40B9-0980-BBC828896376}"/>
               </a:ext>
             </a:extLst>
           </p:cNvPr>
@@ -6428,7 +6428,7 @@
           <p:cNvPr id="2" name="Title 1">
             <a:extLst>
               <a:ext uri="{FF2B5EF4-FFF2-40B4-BE49-F238E27FC236}">
-                <a16:creationId xmlns:a16="http://schemas.microsoft.com/office/drawing/2014/main" id="{CF096618-B8BB-6D7E-ABB2-46E00CB16278}"/>
+                <a16:creationId xmlns:a16="http://schemas.microsoft.com/office/drawing/2014/main" xmlns="" id="{CF096618-B8BB-6D7E-ABB2-46E00CB16278}"/>
               </a:ext>
             </a:extLst>
           </p:cNvPr>
@@ -6456,7 +6456,7 @@
           <p:cNvPr id="10" name="Content Placeholder 9">
             <a:extLst>
               <a:ext uri="{FF2B5EF4-FFF2-40B4-BE49-F238E27FC236}">
-                <a16:creationId xmlns:a16="http://schemas.microsoft.com/office/drawing/2014/main" id="{776EF89B-53B0-B343-A888-1E8295B086E2}"/>
+                <a16:creationId xmlns:a16="http://schemas.microsoft.com/office/drawing/2014/main" xmlns="" id="{776EF89B-53B0-B343-A888-1E8295B086E2}"/>
               </a:ext>
             </a:extLst>
           </p:cNvPr>
@@ -6484,14 +6484,14 @@
                 <a:gridCol w="1826187">
                   <a:extLst>
                     <a:ext uri="{9D8B030D-6E8A-4147-A177-3AD203B41FA5}">
-                      <a16:colId xmlns:a16="http://schemas.microsoft.com/office/drawing/2014/main" val="416725313"/>
+                      <a16:colId xmlns:a16="http://schemas.microsoft.com/office/drawing/2014/main" xmlns="" val="416725313"/>
                     </a:ext>
                   </a:extLst>
                 </a:gridCol>
                 <a:gridCol w="8215533">
                   <a:extLst>
                     <a:ext uri="{9D8B030D-6E8A-4147-A177-3AD203B41FA5}">
-                      <a16:colId xmlns:a16="http://schemas.microsoft.com/office/drawing/2014/main" val="1320298272"/>
+                      <a16:colId xmlns:a16="http://schemas.microsoft.com/office/drawing/2014/main" xmlns="" val="1320298272"/>
                     </a:ext>
                   </a:extLst>
                 </a:gridCol>
@@ -6550,7 +6550,7 @@
                 </a:tc>
                 <a:extLst>
                   <a:ext uri="{0D108BD9-81ED-4DB2-BD59-A6C34878D82A}">
-                    <a16:rowId xmlns:a16="http://schemas.microsoft.com/office/drawing/2014/main" val="878724304"/>
+                    <a16:rowId xmlns:a16="http://schemas.microsoft.com/office/drawing/2014/main" xmlns="" val="878724304"/>
                   </a:ext>
                 </a:extLst>
               </a:tr>
@@ -7079,7 +7079,7 @@
                 </a:tc>
                 <a:extLst>
                   <a:ext uri="{0D108BD9-81ED-4DB2-BD59-A6C34878D82A}">
-                    <a16:rowId xmlns:a16="http://schemas.microsoft.com/office/drawing/2014/main" val="3685313798"/>
+                    <a16:rowId xmlns:a16="http://schemas.microsoft.com/office/drawing/2014/main" xmlns="" val="3685313798"/>
                   </a:ext>
                 </a:extLst>
               </a:tr>
@@ -7215,7 +7215,7 @@
                 </a:tc>
                 <a:extLst>
                   <a:ext uri="{0D108BD9-81ED-4DB2-BD59-A6C34878D82A}">
-                    <a16:rowId xmlns:a16="http://schemas.microsoft.com/office/drawing/2014/main" val="2530858477"/>
+                    <a16:rowId xmlns:a16="http://schemas.microsoft.com/office/drawing/2014/main" xmlns="" val="2530858477"/>
                   </a:ext>
                 </a:extLst>
               </a:tr>
@@ -7367,7 +7367,7 @@
                 </a:tc>
                 <a:extLst>
                   <a:ext uri="{0D108BD9-81ED-4DB2-BD59-A6C34878D82A}">
-                    <a16:rowId xmlns:a16="http://schemas.microsoft.com/office/drawing/2014/main" val="1408860364"/>
+                    <a16:rowId xmlns:a16="http://schemas.microsoft.com/office/drawing/2014/main" xmlns="" val="1408860364"/>
                   </a:ext>
                 </a:extLst>
               </a:tr>
@@ -7465,7 +7465,7 @@
                 </a:tc>
                 <a:extLst>
                   <a:ext uri="{0D108BD9-81ED-4DB2-BD59-A6C34878D82A}">
-                    <a16:rowId xmlns:a16="http://schemas.microsoft.com/office/drawing/2014/main" val="1851333983"/>
+                    <a16:rowId xmlns:a16="http://schemas.microsoft.com/office/drawing/2014/main" xmlns="" val="1851333983"/>
                   </a:ext>
                 </a:extLst>
               </a:tr>
@@ -7546,7 +7546,7 @@
                 </a:tc>
                 <a:extLst>
                   <a:ext uri="{0D108BD9-81ED-4DB2-BD59-A6C34878D82A}">
-                    <a16:rowId xmlns:a16="http://schemas.microsoft.com/office/drawing/2014/main" val="740472104"/>
+                    <a16:rowId xmlns:a16="http://schemas.microsoft.com/office/drawing/2014/main" xmlns="" val="740472104"/>
                   </a:ext>
                 </a:extLst>
               </a:tr>
@@ -7610,7 +7610,7 @@
                 </a:tc>
                 <a:extLst>
                   <a:ext uri="{0D108BD9-81ED-4DB2-BD59-A6C34878D82A}">
-                    <a16:rowId xmlns:a16="http://schemas.microsoft.com/office/drawing/2014/main" val="533253667"/>
+                    <a16:rowId xmlns:a16="http://schemas.microsoft.com/office/drawing/2014/main" xmlns="" val="533253667"/>
                   </a:ext>
                 </a:extLst>
               </a:tr>
@@ -7725,7 +7725,7 @@
                 </a:tc>
                 <a:extLst>
                   <a:ext uri="{0D108BD9-81ED-4DB2-BD59-A6C34878D82A}">
-                    <a16:rowId xmlns:a16="http://schemas.microsoft.com/office/drawing/2014/main" val="4129676793"/>
+                    <a16:rowId xmlns:a16="http://schemas.microsoft.com/office/drawing/2014/main" xmlns="" val="4129676793"/>
                   </a:ext>
                 </a:extLst>
               </a:tr>
@@ -7833,7 +7833,7 @@
                 </a:tc>
                 <a:extLst>
                   <a:ext uri="{0D108BD9-81ED-4DB2-BD59-A6C34878D82A}">
-                    <a16:rowId xmlns:a16="http://schemas.microsoft.com/office/drawing/2014/main" val="3068756830"/>
+                    <a16:rowId xmlns:a16="http://schemas.microsoft.com/office/drawing/2014/main" xmlns="" val="3068756830"/>
                   </a:ext>
                 </a:extLst>
               </a:tr>
@@ -7897,7 +7897,7 @@
                 </a:tc>
                 <a:extLst>
                   <a:ext uri="{0D108BD9-81ED-4DB2-BD59-A6C34878D82A}">
-                    <a16:rowId xmlns:a16="http://schemas.microsoft.com/office/drawing/2014/main" val="1623213421"/>
+                    <a16:rowId xmlns:a16="http://schemas.microsoft.com/office/drawing/2014/main" xmlns="" val="1623213421"/>
                   </a:ext>
                 </a:extLst>
               </a:tr>
@@ -7940,7 +7940,7 @@
           <p:cNvPr id="2" name="Title 1">
             <a:extLst>
               <a:ext uri="{FF2B5EF4-FFF2-40B4-BE49-F238E27FC236}">
-                <a16:creationId xmlns:a16="http://schemas.microsoft.com/office/drawing/2014/main" id="{021AE22F-5757-D3EA-E7D0-90B7AB56EF1D}"/>
+                <a16:creationId xmlns:a16="http://schemas.microsoft.com/office/drawing/2014/main" xmlns="" id="{021AE22F-5757-D3EA-E7D0-90B7AB56EF1D}"/>
               </a:ext>
             </a:extLst>
           </p:cNvPr>
@@ -7968,7 +7968,7 @@
           <p:cNvPr id="3" name="Content Placeholder 2">
             <a:extLst>
               <a:ext uri="{FF2B5EF4-FFF2-40B4-BE49-F238E27FC236}">
-                <a16:creationId xmlns:a16="http://schemas.microsoft.com/office/drawing/2014/main" id="{793162A9-0665-EA24-DD58-66E93DC0698B}"/>
+                <a16:creationId xmlns:a16="http://schemas.microsoft.com/office/drawing/2014/main" xmlns="" id="{793162A9-0665-EA24-DD58-66E93DC0698B}"/>
               </a:ext>
             </a:extLst>
           </p:cNvPr>
@@ -8104,7 +8104,7 @@
           <p:cNvPr id="2" name="Title 1">
             <a:extLst>
               <a:ext uri="{FF2B5EF4-FFF2-40B4-BE49-F238E27FC236}">
-                <a16:creationId xmlns:a16="http://schemas.microsoft.com/office/drawing/2014/main" id="{1B10DC85-3505-27DC-0313-1C91059B9073}"/>
+                <a16:creationId xmlns:a16="http://schemas.microsoft.com/office/drawing/2014/main" xmlns="" id="{1B10DC85-3505-27DC-0313-1C91059B9073}"/>
               </a:ext>
             </a:extLst>
           </p:cNvPr>
@@ -8140,7 +8140,7 @@
           <p:cNvPr id="7" name="Content Placeholder 6">
             <a:extLst>
               <a:ext uri="{FF2B5EF4-FFF2-40B4-BE49-F238E27FC236}">
-                <a16:creationId xmlns:a16="http://schemas.microsoft.com/office/drawing/2014/main" id="{CD195D51-3A35-BEAE-5D26-F6E43ABDD837}"/>
+                <a16:creationId xmlns:a16="http://schemas.microsoft.com/office/drawing/2014/main" xmlns="" id="{CD195D51-3A35-BEAE-5D26-F6E43ABDD837}"/>
               </a:ext>
             </a:extLst>
           </p:cNvPr>
@@ -8168,14 +8168,14 @@
                 <a:gridCol w="1927275">
                   <a:extLst>
                     <a:ext uri="{9D8B030D-6E8A-4147-A177-3AD203B41FA5}">
-                      <a16:colId xmlns:a16="http://schemas.microsoft.com/office/drawing/2014/main" val="588960690"/>
+                      <a16:colId xmlns:a16="http://schemas.microsoft.com/office/drawing/2014/main" xmlns="" val="588960690"/>
                     </a:ext>
                   </a:extLst>
                 </a:gridCol>
                 <a:gridCol w="7357403">
                   <a:extLst>
                     <a:ext uri="{9D8B030D-6E8A-4147-A177-3AD203B41FA5}">
-                      <a16:colId xmlns:a16="http://schemas.microsoft.com/office/drawing/2014/main" val="1982300345"/>
+                      <a16:colId xmlns:a16="http://schemas.microsoft.com/office/drawing/2014/main" xmlns="" val="1982300345"/>
                     </a:ext>
                   </a:extLst>
                 </a:gridCol>
@@ -8234,7 +8234,7 @@
                 </a:tc>
                 <a:extLst>
                   <a:ext uri="{0D108BD9-81ED-4DB2-BD59-A6C34878D82A}">
-                    <a16:rowId xmlns:a16="http://schemas.microsoft.com/office/drawing/2014/main" val="988810204"/>
+                    <a16:rowId xmlns:a16="http://schemas.microsoft.com/office/drawing/2014/main" xmlns="" val="988810204"/>
                   </a:ext>
                 </a:extLst>
               </a:tr>
@@ -8356,7 +8356,7 @@
                 </a:tc>
                 <a:extLst>
                   <a:ext uri="{0D108BD9-81ED-4DB2-BD59-A6C34878D82A}">
-                    <a16:rowId xmlns:a16="http://schemas.microsoft.com/office/drawing/2014/main" val="2536617382"/>
+                    <a16:rowId xmlns:a16="http://schemas.microsoft.com/office/drawing/2014/main" xmlns="" val="2536617382"/>
                   </a:ext>
                 </a:extLst>
               </a:tr>
@@ -8417,7 +8417,7 @@
                 </a:tc>
                 <a:extLst>
                   <a:ext uri="{0D108BD9-81ED-4DB2-BD59-A6C34878D82A}">
-                    <a16:rowId xmlns:a16="http://schemas.microsoft.com/office/drawing/2014/main" val="675110199"/>
+                    <a16:rowId xmlns:a16="http://schemas.microsoft.com/office/drawing/2014/main" xmlns="" val="675110199"/>
                   </a:ext>
                 </a:extLst>
               </a:tr>
@@ -8525,7 +8525,7 @@
                 </a:tc>
                 <a:extLst>
                   <a:ext uri="{0D108BD9-81ED-4DB2-BD59-A6C34878D82A}">
-                    <a16:rowId xmlns:a16="http://schemas.microsoft.com/office/drawing/2014/main" val="1409015844"/>
+                    <a16:rowId xmlns:a16="http://schemas.microsoft.com/office/drawing/2014/main" xmlns="" val="1409015844"/>
                   </a:ext>
                 </a:extLst>
               </a:tr>
@@ -8657,7 +8657,7 @@
                 </a:tc>
                 <a:extLst>
                   <a:ext uri="{0D108BD9-81ED-4DB2-BD59-A6C34878D82A}">
-                    <a16:rowId xmlns:a16="http://schemas.microsoft.com/office/drawing/2014/main" val="3701476313"/>
+                    <a16:rowId xmlns:a16="http://schemas.microsoft.com/office/drawing/2014/main" xmlns="" val="3701476313"/>
                   </a:ext>
                 </a:extLst>
               </a:tr>
@@ -8755,7 +8755,7 @@
                 </a:tc>
                 <a:extLst>
                   <a:ext uri="{0D108BD9-81ED-4DB2-BD59-A6C34878D82A}">
-                    <a16:rowId xmlns:a16="http://schemas.microsoft.com/office/drawing/2014/main" val="1776902528"/>
+                    <a16:rowId xmlns:a16="http://schemas.microsoft.com/office/drawing/2014/main" xmlns="" val="1776902528"/>
                   </a:ext>
                 </a:extLst>
               </a:tr>
@@ -8836,7 +8836,7 @@
                 </a:tc>
                 <a:extLst>
                   <a:ext uri="{0D108BD9-81ED-4DB2-BD59-A6C34878D82A}">
-                    <a16:rowId xmlns:a16="http://schemas.microsoft.com/office/drawing/2014/main" val="2821941057"/>
+                    <a16:rowId xmlns:a16="http://schemas.microsoft.com/office/drawing/2014/main" xmlns="" val="2821941057"/>
                   </a:ext>
                 </a:extLst>
               </a:tr>
@@ -8900,7 +8900,7 @@
                 </a:tc>
                 <a:extLst>
                   <a:ext uri="{0D108BD9-81ED-4DB2-BD59-A6C34878D82A}">
-                    <a16:rowId xmlns:a16="http://schemas.microsoft.com/office/drawing/2014/main" val="3161464601"/>
+                    <a16:rowId xmlns:a16="http://schemas.microsoft.com/office/drawing/2014/main" xmlns="" val="3161464601"/>
                   </a:ext>
                 </a:extLst>
               </a:tr>
@@ -8961,7 +8961,7 @@
                 </a:tc>
                 <a:extLst>
                   <a:ext uri="{0D108BD9-81ED-4DB2-BD59-A6C34878D82A}">
-                    <a16:rowId xmlns:a16="http://schemas.microsoft.com/office/drawing/2014/main" val="3042517071"/>
+                    <a16:rowId xmlns:a16="http://schemas.microsoft.com/office/drawing/2014/main" xmlns="" val="3042517071"/>
                   </a:ext>
                 </a:extLst>
               </a:tr>
@@ -9083,7 +9083,7 @@
                 </a:tc>
                 <a:extLst>
                   <a:ext uri="{0D108BD9-81ED-4DB2-BD59-A6C34878D82A}">
-                    <a16:rowId xmlns:a16="http://schemas.microsoft.com/office/drawing/2014/main" val="458027288"/>
+                    <a16:rowId xmlns:a16="http://schemas.microsoft.com/office/drawing/2014/main" xmlns="" val="458027288"/>
                   </a:ext>
                 </a:extLst>
               </a:tr>
@@ -9144,7 +9144,7 @@
                 </a:tc>
                 <a:extLst>
                   <a:ext uri="{0D108BD9-81ED-4DB2-BD59-A6C34878D82A}">
-                    <a16:rowId xmlns:a16="http://schemas.microsoft.com/office/drawing/2014/main" val="2143081113"/>
+                    <a16:rowId xmlns:a16="http://schemas.microsoft.com/office/drawing/2014/main" xmlns="" val="2143081113"/>
                   </a:ext>
                 </a:extLst>
               </a:tr>
@@ -9259,7 +9259,7 @@
                 </a:tc>
                 <a:extLst>
                   <a:ext uri="{0D108BD9-81ED-4DB2-BD59-A6C34878D82A}">
-                    <a16:rowId xmlns:a16="http://schemas.microsoft.com/office/drawing/2014/main" val="368177309"/>
+                    <a16:rowId xmlns:a16="http://schemas.microsoft.com/office/drawing/2014/main" xmlns="" val="368177309"/>
                   </a:ext>
                 </a:extLst>
               </a:tr>
@@ -9367,7 +9367,7 @@
                 </a:tc>
                 <a:extLst>
                   <a:ext uri="{0D108BD9-81ED-4DB2-BD59-A6C34878D82A}">
-                    <a16:rowId xmlns:a16="http://schemas.microsoft.com/office/drawing/2014/main" val="173994831"/>
+                    <a16:rowId xmlns:a16="http://schemas.microsoft.com/office/drawing/2014/main" xmlns="" val="173994831"/>
                   </a:ext>
                 </a:extLst>
               </a:tr>
@@ -9431,7 +9431,7 @@
                 </a:tc>
                 <a:extLst>
                   <a:ext uri="{0D108BD9-81ED-4DB2-BD59-A6C34878D82A}">
-                    <a16:rowId xmlns:a16="http://schemas.microsoft.com/office/drawing/2014/main" val="36539300"/>
+                    <a16:rowId xmlns:a16="http://schemas.microsoft.com/office/drawing/2014/main" xmlns="" val="36539300"/>
                   </a:ext>
                 </a:extLst>
               </a:tr>
@@ -9474,7 +9474,7 @@
           <p:cNvPr id="2" name="Title 1">
             <a:extLst>
               <a:ext uri="{FF2B5EF4-FFF2-40B4-BE49-F238E27FC236}">
-                <a16:creationId xmlns:a16="http://schemas.microsoft.com/office/drawing/2014/main" id="{F0A718D2-765D-C460-D55A-6A8406DF0064}"/>
+                <a16:creationId xmlns:a16="http://schemas.microsoft.com/office/drawing/2014/main" xmlns="" id="{F0A718D2-765D-C460-D55A-6A8406DF0064}"/>
               </a:ext>
             </a:extLst>
           </p:cNvPr>
@@ -9507,7 +9507,7 @@
           <p:cNvPr id="3" name="Content Placeholder 2">
             <a:extLst>
               <a:ext uri="{FF2B5EF4-FFF2-40B4-BE49-F238E27FC236}">
-                <a16:creationId xmlns:a16="http://schemas.microsoft.com/office/drawing/2014/main" id="{7764E3D8-A848-00BA-9335-3ADAC5AE1DA4}"/>
+                <a16:creationId xmlns:a16="http://schemas.microsoft.com/office/drawing/2014/main" xmlns="" id="{7764E3D8-A848-00BA-9335-3ADAC5AE1DA4}"/>
               </a:ext>
             </a:extLst>
           </p:cNvPr>
@@ -9571,7 +9571,7 @@
           <p:cNvPr id="2" name="Title 1">
             <a:extLst>
               <a:ext uri="{FF2B5EF4-FFF2-40B4-BE49-F238E27FC236}">
-                <a16:creationId xmlns:a16="http://schemas.microsoft.com/office/drawing/2014/main" id="{EFF66540-3421-AD02-BAC3-16A99DC00BFC}"/>
+                <a16:creationId xmlns:a16="http://schemas.microsoft.com/office/drawing/2014/main" xmlns="" id="{EFF66540-3421-AD02-BAC3-16A99DC00BFC}"/>
               </a:ext>
             </a:extLst>
           </p:cNvPr>
@@ -9599,7 +9599,7 @@
           <p:cNvPr id="4" name="Content Placeholder 3">
             <a:extLst>
               <a:ext uri="{FF2B5EF4-FFF2-40B4-BE49-F238E27FC236}">
-                <a16:creationId xmlns:a16="http://schemas.microsoft.com/office/drawing/2014/main" id="{09582ACF-301E-CA6C-F1E8-B123018656CA}"/>
+                <a16:creationId xmlns:a16="http://schemas.microsoft.com/office/drawing/2014/main" xmlns="" id="{09582ACF-301E-CA6C-F1E8-B123018656CA}"/>
               </a:ext>
             </a:extLst>
           </p:cNvPr>
@@ -9627,14 +9627,14 @@
                 <a:gridCol w="1083817">
                   <a:extLst>
                     <a:ext uri="{9D8B030D-6E8A-4147-A177-3AD203B41FA5}">
-                      <a16:colId xmlns:a16="http://schemas.microsoft.com/office/drawing/2014/main" val="1102931606"/>
+                      <a16:colId xmlns:a16="http://schemas.microsoft.com/office/drawing/2014/main" xmlns="" val="1102931606"/>
                     </a:ext>
                   </a:extLst>
                 </a:gridCol>
                 <a:gridCol w="9269945">
                   <a:extLst>
                     <a:ext uri="{9D8B030D-6E8A-4147-A177-3AD203B41FA5}">
-                      <a16:colId xmlns:a16="http://schemas.microsoft.com/office/drawing/2014/main" val="245996286"/>
+                      <a16:colId xmlns:a16="http://schemas.microsoft.com/office/drawing/2014/main" xmlns="" val="245996286"/>
                     </a:ext>
                   </a:extLst>
                 </a:gridCol>
@@ -9693,7 +9693,7 @@
                 </a:tc>
                 <a:extLst>
                   <a:ext uri="{0D108BD9-81ED-4DB2-BD59-A6C34878D82A}">
-                    <a16:rowId xmlns:a16="http://schemas.microsoft.com/office/drawing/2014/main" val="3449067056"/>
+                    <a16:rowId xmlns:a16="http://schemas.microsoft.com/office/drawing/2014/main" xmlns="" val="3449067056"/>
                   </a:ext>
                 </a:extLst>
               </a:tr>
@@ -11157,7 +11157,7 @@
                 </a:tc>
                 <a:extLst>
                   <a:ext uri="{0D108BD9-81ED-4DB2-BD59-A6C34878D82A}">
-                    <a16:rowId xmlns:a16="http://schemas.microsoft.com/office/drawing/2014/main" val="971271338"/>
+                    <a16:rowId xmlns:a16="http://schemas.microsoft.com/office/drawing/2014/main" xmlns="" val="971271338"/>
                   </a:ext>
                 </a:extLst>
               </a:tr>
@@ -11299,7 +11299,7 @@
                 </a:tc>
                 <a:extLst>
                   <a:ext uri="{0D108BD9-81ED-4DB2-BD59-A6C34878D82A}">
-                    <a16:rowId xmlns:a16="http://schemas.microsoft.com/office/drawing/2014/main" val="1952073132"/>
+                    <a16:rowId xmlns:a16="http://schemas.microsoft.com/office/drawing/2014/main" xmlns="" val="1952073132"/>
                   </a:ext>
                 </a:extLst>
               </a:tr>
@@ -11360,7 +11360,7 @@
                 </a:tc>
                 <a:extLst>
                   <a:ext uri="{0D108BD9-81ED-4DB2-BD59-A6C34878D82A}">
-                    <a16:rowId xmlns:a16="http://schemas.microsoft.com/office/drawing/2014/main" val="1303808639"/>
+                    <a16:rowId xmlns:a16="http://schemas.microsoft.com/office/drawing/2014/main" xmlns="" val="1303808639"/>
                   </a:ext>
                 </a:extLst>
               </a:tr>
@@ -11482,7 +11482,7 @@
                 </a:tc>
                 <a:extLst>
                   <a:ext uri="{0D108BD9-81ED-4DB2-BD59-A6C34878D82A}">
-                    <a16:rowId xmlns:a16="http://schemas.microsoft.com/office/drawing/2014/main" val="3148212096"/>
+                    <a16:rowId xmlns:a16="http://schemas.microsoft.com/office/drawing/2014/main" xmlns="" val="3148212096"/>
                   </a:ext>
                 </a:extLst>
               </a:tr>
@@ -11631,7 +11631,7 @@
                 </a:tc>
                 <a:extLst>
                   <a:ext uri="{0D108BD9-81ED-4DB2-BD59-A6C34878D82A}">
-                    <a16:rowId xmlns:a16="http://schemas.microsoft.com/office/drawing/2014/main" val="1575469825"/>
+                    <a16:rowId xmlns:a16="http://schemas.microsoft.com/office/drawing/2014/main" xmlns="" val="1575469825"/>
                   </a:ext>
                 </a:extLst>
               </a:tr>
@@ -11722,7 +11722,7 @@
                 </a:tc>
                 <a:extLst>
                   <a:ext uri="{0D108BD9-81ED-4DB2-BD59-A6C34878D82A}">
-                    <a16:rowId xmlns:a16="http://schemas.microsoft.com/office/drawing/2014/main" val="424035896"/>
+                    <a16:rowId xmlns:a16="http://schemas.microsoft.com/office/drawing/2014/main" xmlns="" val="424035896"/>
                   </a:ext>
                 </a:extLst>
               </a:tr>
@@ -11830,7 +11830,7 @@
                 </a:tc>
                 <a:extLst>
                   <a:ext uri="{0D108BD9-81ED-4DB2-BD59-A6C34878D82A}">
-                    <a16:rowId xmlns:a16="http://schemas.microsoft.com/office/drawing/2014/main" val="3774809090"/>
+                    <a16:rowId xmlns:a16="http://schemas.microsoft.com/office/drawing/2014/main" xmlns="" val="3774809090"/>
                   </a:ext>
                 </a:extLst>
               </a:tr>
@@ -11962,7 +11962,7 @@
                 </a:tc>
                 <a:extLst>
                   <a:ext uri="{0D108BD9-81ED-4DB2-BD59-A6C34878D82A}">
-                    <a16:rowId xmlns:a16="http://schemas.microsoft.com/office/drawing/2014/main" val="2891000242"/>
+                    <a16:rowId xmlns:a16="http://schemas.microsoft.com/office/drawing/2014/main" xmlns="" val="2891000242"/>
                   </a:ext>
                 </a:extLst>
               </a:tr>
@@ -12060,7 +12060,7 @@
                 </a:tc>
                 <a:extLst>
                   <a:ext uri="{0D108BD9-81ED-4DB2-BD59-A6C34878D82A}">
-                    <a16:rowId xmlns:a16="http://schemas.microsoft.com/office/drawing/2014/main" val="4165420669"/>
+                    <a16:rowId xmlns:a16="http://schemas.microsoft.com/office/drawing/2014/main" xmlns="" val="4165420669"/>
                   </a:ext>
                 </a:extLst>
               </a:tr>
@@ -12124,7 +12124,7 @@
                 </a:tc>
                 <a:extLst>
                   <a:ext uri="{0D108BD9-81ED-4DB2-BD59-A6C34878D82A}">
-                    <a16:rowId xmlns:a16="http://schemas.microsoft.com/office/drawing/2014/main" val="2471737786"/>
+                    <a16:rowId xmlns:a16="http://schemas.microsoft.com/office/drawing/2014/main" xmlns="" val="2471737786"/>
                   </a:ext>
                 </a:extLst>
               </a:tr>
@@ -12249,7 +12249,7 @@
                 </a:tc>
                 <a:extLst>
                   <a:ext uri="{0D108BD9-81ED-4DB2-BD59-A6C34878D82A}">
-                    <a16:rowId xmlns:a16="http://schemas.microsoft.com/office/drawing/2014/main" val="1822710646"/>
+                    <a16:rowId xmlns:a16="http://schemas.microsoft.com/office/drawing/2014/main" xmlns="" val="1822710646"/>
                   </a:ext>
                 </a:extLst>
               </a:tr>
@@ -12381,7 +12381,7 @@
                 </a:tc>
                 <a:extLst>
                   <a:ext uri="{0D108BD9-81ED-4DB2-BD59-A6C34878D82A}">
-                    <a16:rowId xmlns:a16="http://schemas.microsoft.com/office/drawing/2014/main" val="1676420970"/>
+                    <a16:rowId xmlns:a16="http://schemas.microsoft.com/office/drawing/2014/main" xmlns="" val="1676420970"/>
                   </a:ext>
                 </a:extLst>
               </a:tr>
@@ -12479,7 +12479,7 @@
                 </a:tc>
                 <a:extLst>
                   <a:ext uri="{0D108BD9-81ED-4DB2-BD59-A6C34878D82A}">
-                    <a16:rowId xmlns:a16="http://schemas.microsoft.com/office/drawing/2014/main" val="237641913"/>
+                    <a16:rowId xmlns:a16="http://schemas.microsoft.com/office/drawing/2014/main" xmlns="" val="237641913"/>
                   </a:ext>
                 </a:extLst>
               </a:tr>
@@ -12543,7 +12543,7 @@
                 </a:tc>
                 <a:extLst>
                   <a:ext uri="{0D108BD9-81ED-4DB2-BD59-A6C34878D82A}">
-                    <a16:rowId xmlns:a16="http://schemas.microsoft.com/office/drawing/2014/main" val="705214980"/>
+                    <a16:rowId xmlns:a16="http://schemas.microsoft.com/office/drawing/2014/main" xmlns="" val="705214980"/>
                   </a:ext>
                 </a:extLst>
               </a:tr>
@@ -12668,7 +12668,7 @@
                 </a:tc>
                 <a:extLst>
                   <a:ext uri="{0D108BD9-81ED-4DB2-BD59-A6C34878D82A}">
-                    <a16:rowId xmlns:a16="http://schemas.microsoft.com/office/drawing/2014/main" val="2439754198"/>
+                    <a16:rowId xmlns:a16="http://schemas.microsoft.com/office/drawing/2014/main" xmlns="" val="2439754198"/>
                   </a:ext>
                 </a:extLst>
               </a:tr>
@@ -12820,7 +12820,7 @@
                 </a:tc>
                 <a:extLst>
                   <a:ext uri="{0D108BD9-81ED-4DB2-BD59-A6C34878D82A}">
-                    <a16:rowId xmlns:a16="http://schemas.microsoft.com/office/drawing/2014/main" val="514678517"/>
+                    <a16:rowId xmlns:a16="http://schemas.microsoft.com/office/drawing/2014/main" xmlns="" val="514678517"/>
                   </a:ext>
                 </a:extLst>
               </a:tr>
@@ -12918,7 +12918,7 @@
                 </a:tc>
                 <a:extLst>
                   <a:ext uri="{0D108BD9-81ED-4DB2-BD59-A6C34878D82A}">
-                    <a16:rowId xmlns:a16="http://schemas.microsoft.com/office/drawing/2014/main" val="616826628"/>
+                    <a16:rowId xmlns:a16="http://schemas.microsoft.com/office/drawing/2014/main" xmlns="" val="616826628"/>
                   </a:ext>
                 </a:extLst>
               </a:tr>
@@ -12982,7 +12982,7 @@
                 </a:tc>
                 <a:extLst>
                   <a:ext uri="{0D108BD9-81ED-4DB2-BD59-A6C34878D82A}">
-                    <a16:rowId xmlns:a16="http://schemas.microsoft.com/office/drawing/2014/main" val="3045958750"/>
+                    <a16:rowId xmlns:a16="http://schemas.microsoft.com/office/drawing/2014/main" xmlns="" val="3045958750"/>
                   </a:ext>
                 </a:extLst>
               </a:tr>
@@ -13056,7 +13056,7 @@
                 </a:tc>
                 <a:extLst>
                   <a:ext uri="{0D108BD9-81ED-4DB2-BD59-A6C34878D82A}">
-                    <a16:rowId xmlns:a16="http://schemas.microsoft.com/office/drawing/2014/main" val="2913378311"/>
+                    <a16:rowId xmlns:a16="http://schemas.microsoft.com/office/drawing/2014/main" xmlns="" val="2913378311"/>
                   </a:ext>
                 </a:extLst>
               </a:tr>
@@ -13208,7 +13208,7 @@
                 </a:tc>
                 <a:extLst>
                   <a:ext uri="{0D108BD9-81ED-4DB2-BD59-A6C34878D82A}">
-                    <a16:rowId xmlns:a16="http://schemas.microsoft.com/office/drawing/2014/main" val="1166763968"/>
+                    <a16:rowId xmlns:a16="http://schemas.microsoft.com/office/drawing/2014/main" xmlns="" val="1166763968"/>
                   </a:ext>
                 </a:extLst>
               </a:tr>
@@ -13306,7 +13306,7 @@
                 </a:tc>
                 <a:extLst>
                   <a:ext uri="{0D108BD9-81ED-4DB2-BD59-A6C34878D82A}">
-                    <a16:rowId xmlns:a16="http://schemas.microsoft.com/office/drawing/2014/main" val="2200612380"/>
+                    <a16:rowId xmlns:a16="http://schemas.microsoft.com/office/drawing/2014/main" xmlns="" val="2200612380"/>
                   </a:ext>
                 </a:extLst>
               </a:tr>
@@ -13370,7 +13370,7 @@
                 </a:tc>
                 <a:extLst>
                   <a:ext uri="{0D108BD9-81ED-4DB2-BD59-A6C34878D82A}">
-                    <a16:rowId xmlns:a16="http://schemas.microsoft.com/office/drawing/2014/main" val="3574502879"/>
+                    <a16:rowId xmlns:a16="http://schemas.microsoft.com/office/drawing/2014/main" xmlns="" val="3574502879"/>
                   </a:ext>
                 </a:extLst>
               </a:tr>
@@ -13451,7 +13451,7 @@
                 </a:tc>
                 <a:extLst>
                   <a:ext uri="{0D108BD9-81ED-4DB2-BD59-A6C34878D82A}">
-                    <a16:rowId xmlns:a16="http://schemas.microsoft.com/office/drawing/2014/main" val="689487692"/>
+                    <a16:rowId xmlns:a16="http://schemas.microsoft.com/office/drawing/2014/main" xmlns="" val="689487692"/>
                   </a:ext>
                 </a:extLst>
               </a:tr>
@@ -13515,7 +13515,7 @@
                 </a:tc>
                 <a:extLst>
                   <a:ext uri="{0D108BD9-81ED-4DB2-BD59-A6C34878D82A}">
-                    <a16:rowId xmlns:a16="http://schemas.microsoft.com/office/drawing/2014/main" val="3667090364"/>
+                    <a16:rowId xmlns:a16="http://schemas.microsoft.com/office/drawing/2014/main" xmlns="" val="3667090364"/>
                   </a:ext>
                 </a:extLst>
               </a:tr>
@@ -13630,7 +13630,7 @@
                 </a:tc>
                 <a:extLst>
                   <a:ext uri="{0D108BD9-81ED-4DB2-BD59-A6C34878D82A}">
-                    <a16:rowId xmlns:a16="http://schemas.microsoft.com/office/drawing/2014/main" val="1041874551"/>
+                    <a16:rowId xmlns:a16="http://schemas.microsoft.com/office/drawing/2014/main" xmlns="" val="1041874551"/>
                   </a:ext>
                 </a:extLst>
               </a:tr>
@@ -13745,7 +13745,7 @@
                 </a:tc>
                 <a:extLst>
                   <a:ext uri="{0D108BD9-81ED-4DB2-BD59-A6C34878D82A}">
-                    <a16:rowId xmlns:a16="http://schemas.microsoft.com/office/drawing/2014/main" val="562833976"/>
+                    <a16:rowId xmlns:a16="http://schemas.microsoft.com/office/drawing/2014/main" xmlns="" val="562833976"/>
                   </a:ext>
                 </a:extLst>
               </a:tr>
@@ -13853,7 +13853,7 @@
                 </a:tc>
                 <a:extLst>
                   <a:ext uri="{0D108BD9-81ED-4DB2-BD59-A6C34878D82A}">
-                    <a16:rowId xmlns:a16="http://schemas.microsoft.com/office/drawing/2014/main" val="3973139187"/>
+                    <a16:rowId xmlns:a16="http://schemas.microsoft.com/office/drawing/2014/main" xmlns="" val="3973139187"/>
                   </a:ext>
                 </a:extLst>
               </a:tr>
@@ -13917,7 +13917,7 @@
                 </a:tc>
                 <a:extLst>
                   <a:ext uri="{0D108BD9-81ED-4DB2-BD59-A6C34878D82A}">
-                    <a16:rowId xmlns:a16="http://schemas.microsoft.com/office/drawing/2014/main" val="2313990051"/>
+                    <a16:rowId xmlns:a16="http://schemas.microsoft.com/office/drawing/2014/main" xmlns="" val="2313990051"/>
                   </a:ext>
                 </a:extLst>
               </a:tr>
@@ -13960,7 +13960,7 @@
           <p:cNvPr id="2" name="Title 1">
             <a:extLst>
               <a:ext uri="{FF2B5EF4-FFF2-40B4-BE49-F238E27FC236}">
-                <a16:creationId xmlns:a16="http://schemas.microsoft.com/office/drawing/2014/main" id="{6118A60D-67E7-DD3A-F5D9-EFEC75F2A7AF}"/>
+                <a16:creationId xmlns:a16="http://schemas.microsoft.com/office/drawing/2014/main" xmlns="" id="{6118A60D-67E7-DD3A-F5D9-EFEC75F2A7AF}"/>
               </a:ext>
             </a:extLst>
           </p:cNvPr>
@@ -13985,7 +13985,7 @@
           <p:cNvPr id="3" name="Content Placeholder 2">
             <a:extLst>
               <a:ext uri="{FF2B5EF4-FFF2-40B4-BE49-F238E27FC236}">
-                <a16:creationId xmlns:a16="http://schemas.microsoft.com/office/drawing/2014/main" id="{245C9C17-7D83-9E3C-C268-193F0B26390C}"/>
+                <a16:creationId xmlns:a16="http://schemas.microsoft.com/office/drawing/2014/main" xmlns="" id="{245C9C17-7D83-9E3C-C268-193F0B26390C}"/>
               </a:ext>
             </a:extLst>
           </p:cNvPr>
@@ -14040,7 +14040,7 @@
           <p:cNvPr id="2" name="Title 1">
             <a:extLst>
               <a:ext uri="{FF2B5EF4-FFF2-40B4-BE49-F238E27FC236}">
-                <a16:creationId xmlns:a16="http://schemas.microsoft.com/office/drawing/2014/main" id="{776FBB3E-B1C6-6A95-EC44-DE211076FA44}"/>
+                <a16:creationId xmlns:a16="http://schemas.microsoft.com/office/drawing/2014/main" xmlns="" id="{776FBB3E-B1C6-6A95-EC44-DE211076FA44}"/>
               </a:ext>
             </a:extLst>
           </p:cNvPr>
@@ -14068,7 +14068,7 @@
           <p:cNvPr id="3" name="Content Placeholder 2">
             <a:extLst>
               <a:ext uri="{FF2B5EF4-FFF2-40B4-BE49-F238E27FC236}">
-                <a16:creationId xmlns:a16="http://schemas.microsoft.com/office/drawing/2014/main" id="{DFA52BB5-D993-907F-2BC1-38DD298EEC65}"/>
+                <a16:creationId xmlns:a16="http://schemas.microsoft.com/office/drawing/2014/main" xmlns="" id="{DFA52BB5-D993-907F-2BC1-38DD298EEC65}"/>
               </a:ext>
             </a:extLst>
           </p:cNvPr>
@@ -14147,7 +14147,7 @@
           <p:cNvPr id="2" name="Title 1">
             <a:extLst>
               <a:ext uri="{FF2B5EF4-FFF2-40B4-BE49-F238E27FC236}">
-                <a16:creationId xmlns:a16="http://schemas.microsoft.com/office/drawing/2014/main" id="{D48E09B4-B765-7198-A30B-0FBFF5C5E827}"/>
+                <a16:creationId xmlns:a16="http://schemas.microsoft.com/office/drawing/2014/main" xmlns="" id="{D48E09B4-B765-7198-A30B-0FBFF5C5E827}"/>
               </a:ext>
             </a:extLst>
           </p:cNvPr>
@@ -14175,7 +14175,7 @@
           <p:cNvPr id="5" name="Content Placeholder 4">
             <a:extLst>
               <a:ext uri="{FF2B5EF4-FFF2-40B4-BE49-F238E27FC236}">
-                <a16:creationId xmlns:a16="http://schemas.microsoft.com/office/drawing/2014/main" id="{69E862F2-E68C-19A6-B12A-2FDBC6F851B8}"/>
+                <a16:creationId xmlns:a16="http://schemas.microsoft.com/office/drawing/2014/main" xmlns="" id="{69E862F2-E68C-19A6-B12A-2FDBC6F851B8}"/>
               </a:ext>
             </a:extLst>
           </p:cNvPr>
@@ -14234,7 +14234,7 @@
           <p:cNvPr id="2" name="Title 1">
             <a:extLst>
               <a:ext uri="{FF2B5EF4-FFF2-40B4-BE49-F238E27FC236}">
-                <a16:creationId xmlns:a16="http://schemas.microsoft.com/office/drawing/2014/main" id="{3EFAA2CE-65EF-D82E-9B43-A17EFF7F917F}"/>
+                <a16:creationId xmlns:a16="http://schemas.microsoft.com/office/drawing/2014/main" xmlns="" id="{3EFAA2CE-65EF-D82E-9B43-A17EFF7F917F}"/>
               </a:ext>
             </a:extLst>
           </p:cNvPr>
@@ -14262,7 +14262,7 @@
           <p:cNvPr id="5" name="Content Placeholder 4">
             <a:extLst>
               <a:ext uri="{FF2B5EF4-FFF2-40B4-BE49-F238E27FC236}">
-                <a16:creationId xmlns:a16="http://schemas.microsoft.com/office/drawing/2014/main" id="{69A45592-0523-8DDB-F4BC-095263F9FE61}"/>
+                <a16:creationId xmlns:a16="http://schemas.microsoft.com/office/drawing/2014/main" xmlns="" id="{69A45592-0523-8DDB-F4BC-095263F9FE61}"/>
               </a:ext>
             </a:extLst>
           </p:cNvPr>
@@ -14321,7 +14321,7 @@
           <p:cNvPr id="2" name="Title 1">
             <a:extLst>
               <a:ext uri="{FF2B5EF4-FFF2-40B4-BE49-F238E27FC236}">
-                <a16:creationId xmlns:a16="http://schemas.microsoft.com/office/drawing/2014/main" id="{FA77EC4C-D0F8-9DB2-1E64-5F32DC6E6DEB}"/>
+                <a16:creationId xmlns:a16="http://schemas.microsoft.com/office/drawing/2014/main" xmlns="" id="{FA77EC4C-D0F8-9DB2-1E64-5F32DC6E6DEB}"/>
               </a:ext>
             </a:extLst>
           </p:cNvPr>
@@ -14349,7 +14349,7 @@
           <p:cNvPr id="5" name="Content Placeholder 4">
             <a:extLst>
               <a:ext uri="{FF2B5EF4-FFF2-40B4-BE49-F238E27FC236}">
-                <a16:creationId xmlns:a16="http://schemas.microsoft.com/office/drawing/2014/main" id="{2199F276-B78E-CF10-72B0-CACBD2BACB4D}"/>
+                <a16:creationId xmlns:a16="http://schemas.microsoft.com/office/drawing/2014/main" xmlns="" id="{2199F276-B78E-CF10-72B0-CACBD2BACB4D}"/>
               </a:ext>
             </a:extLst>
           </p:cNvPr>
@@ -14408,7 +14408,7 @@
           <p:cNvPr id="2" name="Title 1">
             <a:extLst>
               <a:ext uri="{FF2B5EF4-FFF2-40B4-BE49-F238E27FC236}">
-                <a16:creationId xmlns:a16="http://schemas.microsoft.com/office/drawing/2014/main" id="{B68896EE-5B62-9ACC-177B-C5C844D15E88}"/>
+                <a16:creationId xmlns:a16="http://schemas.microsoft.com/office/drawing/2014/main" xmlns="" id="{B68896EE-5B62-9ACC-177B-C5C844D15E88}"/>
               </a:ext>
             </a:extLst>
           </p:cNvPr>
@@ -14436,7 +14436,7 @@
           <p:cNvPr id="3" name="Content Placeholder 2">
             <a:extLst>
               <a:ext uri="{FF2B5EF4-FFF2-40B4-BE49-F238E27FC236}">
-                <a16:creationId xmlns:a16="http://schemas.microsoft.com/office/drawing/2014/main" id="{8B9EF048-B9B1-1DE1-4D4E-04A5C95EAD3B}"/>
+                <a16:creationId xmlns:a16="http://schemas.microsoft.com/office/drawing/2014/main" xmlns="" id="{8B9EF048-B9B1-1DE1-4D4E-04A5C95EAD3B}"/>
               </a:ext>
             </a:extLst>
           </p:cNvPr>
@@ -14535,7 +14535,7 @@
           <p:cNvPr id="2" name="Title 1">
             <a:extLst>
               <a:ext uri="{FF2B5EF4-FFF2-40B4-BE49-F238E27FC236}">
-                <a16:creationId xmlns:a16="http://schemas.microsoft.com/office/drawing/2014/main" id="{323CCC4F-1D9C-248C-ECE9-4CCAB24FD7B4}"/>
+                <a16:creationId xmlns:a16="http://schemas.microsoft.com/office/drawing/2014/main" xmlns="" id="{323CCC4F-1D9C-248C-ECE9-4CCAB24FD7B4}"/>
               </a:ext>
             </a:extLst>
           </p:cNvPr>
@@ -14563,7 +14563,7 @@
           <p:cNvPr id="5" name="Content Placeholder 4">
             <a:extLst>
               <a:ext uri="{FF2B5EF4-FFF2-40B4-BE49-F238E27FC236}">
-                <a16:creationId xmlns:a16="http://schemas.microsoft.com/office/drawing/2014/main" id="{19E1F9A5-6ABF-1CB3-22CA-41C34CB4AB1D}"/>
+                <a16:creationId xmlns:a16="http://schemas.microsoft.com/office/drawing/2014/main" xmlns="" id="{19E1F9A5-6ABF-1CB3-22CA-41C34CB4AB1D}"/>
               </a:ext>
             </a:extLst>
           </p:cNvPr>
@@ -14622,7 +14622,7 @@
           <p:cNvPr id="2" name="Title 1">
             <a:extLst>
               <a:ext uri="{FF2B5EF4-FFF2-40B4-BE49-F238E27FC236}">
-                <a16:creationId xmlns:a16="http://schemas.microsoft.com/office/drawing/2014/main" id="{ACC2EC59-CFF6-2D92-8D3C-CA57F05D2E2E}"/>
+                <a16:creationId xmlns:a16="http://schemas.microsoft.com/office/drawing/2014/main" xmlns="" id="{ACC2EC59-CFF6-2D92-8D3C-CA57F05D2E2E}"/>
               </a:ext>
             </a:extLst>
           </p:cNvPr>
@@ -14666,7 +14666,7 @@
           <p:cNvPr id="3" name="Content Placeholder 2">
             <a:extLst>
               <a:ext uri="{FF2B5EF4-FFF2-40B4-BE49-F238E27FC236}">
-                <a16:creationId xmlns:a16="http://schemas.microsoft.com/office/drawing/2014/main" id="{A2B8591D-92B1-851B-A173-49CF42FEEFDE}"/>
+                <a16:creationId xmlns:a16="http://schemas.microsoft.com/office/drawing/2014/main" xmlns="" id="{A2B8591D-92B1-851B-A173-49CF42FEEFDE}"/>
               </a:ext>
             </a:extLst>
           </p:cNvPr>
@@ -14747,7 +14747,7 @@
           <p:cNvPr id="2" name="Title 1">
             <a:extLst>
               <a:ext uri="{FF2B5EF4-FFF2-40B4-BE49-F238E27FC236}">
-                <a16:creationId xmlns:a16="http://schemas.microsoft.com/office/drawing/2014/main" id="{491F27D4-2A32-050E-B1EB-C9DFC3900B6D}"/>
+                <a16:creationId xmlns:a16="http://schemas.microsoft.com/office/drawing/2014/main" xmlns="" id="{491F27D4-2A32-050E-B1EB-C9DFC3900B6D}"/>
               </a:ext>
             </a:extLst>
           </p:cNvPr>
@@ -14775,7 +14775,7 @@
           <p:cNvPr id="3" name="Content Placeholder 2">
             <a:extLst>
               <a:ext uri="{FF2B5EF4-FFF2-40B4-BE49-F238E27FC236}">
-                <a16:creationId xmlns:a16="http://schemas.microsoft.com/office/drawing/2014/main" id="{1136625B-9137-08EB-649D-A41279B90470}"/>
+                <a16:creationId xmlns:a16="http://schemas.microsoft.com/office/drawing/2014/main" xmlns="" id="{1136625B-9137-08EB-649D-A41279B90470}"/>
               </a:ext>
             </a:extLst>
           </p:cNvPr>
@@ -14890,7 +14890,7 @@
     </a:clrScheme>
     <a:fontScheme name="Facet">
       <a:majorFont>
-        <a:latin typeface="Trebuchet MS" panose="020B0603020202020204"/>
+        <a:latin typeface="Trebuchet MS"/>
         <a:ea typeface=""/>
         <a:cs typeface=""/>
         <a:font script="Jpan" typeface="メイリオ"/>
@@ -14925,7 +14925,7 @@
         <a:font script="Geor" typeface="Sylfaen"/>
       </a:majorFont>
       <a:minorFont>
-        <a:latin typeface="Trebuchet MS" panose="020B0603020202020204"/>
+        <a:latin typeface="Trebuchet MS"/>
         <a:ea typeface=""/>
         <a:cs typeface=""/>
         <a:font script="Jpan" typeface="メイリオ"/>
@@ -15098,7 +15098,7 @@
   <a:extraClrSchemeLst/>
   <a:extLst>
     <a:ext uri="{05A4C25C-085E-4340-85A3-A5531E510DB2}">
-      <thm15:themeFamily xmlns:thm15="http://schemas.microsoft.com/office/thememl/2012/main" name="Facet" id="{C0C680CD-088A-49FC-A102-D699147F32B2}" vid="{CFBC31BA-B70F-4F30-BCAA-4F3011E16C4D}"/>
+      <thm15:themeFamily xmlns:thm15="http://schemas.microsoft.com/office/thememl/2012/main" xmlns="" name="Facet" id="{C0C680CD-088A-49FC-A102-D699147F32B2}" vid="{CFBC31BA-B70F-4F30-BCAA-4F3011E16C4D}"/>
     </a:ext>
   </a:extLst>
 </a:theme>
